--- a/2015-no.2/ppt/part_icmp.pptx
+++ b/2015-no.2/ppt/part_icmp.pptx
@@ -5,7 +5,7 @@
     <p:sldMasterId id="2147483690" r:id="rId1"/>
   </p:sldMasterIdLst>
   <p:notesMasterIdLst>
-    <p:notesMasterId r:id="rId11"/>
+    <p:notesMasterId r:id="rId14"/>
   </p:notesMasterIdLst>
   <p:sldIdLst>
     <p:sldId id="297" r:id="rId2"/>
@@ -17,6 +17,9 @@
     <p:sldId id="303" r:id="rId8"/>
     <p:sldId id="305" r:id="rId9"/>
     <p:sldId id="306" r:id="rId10"/>
+    <p:sldId id="307" r:id="rId11"/>
+    <p:sldId id="308" r:id="rId12"/>
+    <p:sldId id="309" r:id="rId13"/>
   </p:sldIdLst>
   <p:sldSz cx="9144000" cy="6858000" type="screen4x3"/>
   <p:notesSz cx="6858000" cy="9144000"/>
@@ -117,7 +120,7 @@
   </p:defaultTextStyle>
   <p:extLst>
     <p:ext uri="{EFAFB233-063F-42B5-8137-9DF3F51BA10A}">
-      <p15:sldGuideLst xmlns:p15="http://schemas.microsoft.com/office/powerpoint/2012/main" xmlns="">
+      <p15:sldGuideLst xmlns="" xmlns:p15="http://schemas.microsoft.com/office/powerpoint/2012/main">
         <p15:guide id="1" orient="horz" pos="2160">
           <p15:clr>
             <a:srgbClr val="A4A3A4"/>
@@ -217,7 +220,7 @@
             <a:fld id="{227E3AE5-EB08-419F-97DD-14530EE7F784}" type="datetimeFigureOut">
               <a:rPr kumimoji="1" lang="ja-JP" altLang="en-US" smtClean="0"/>
               <a:pPr/>
-              <a:t>2015/8/23</a:t>
+              <a:t>2015/8/27</a:t>
             </a:fld>
             <a:endParaRPr kumimoji="1" lang="ja-JP" altLang="en-US"/>
           </a:p>
@@ -418,7 +421,7 @@
     </p:spTree>
     <p:extLst>
       <p:ext uri="{BB962C8B-B14F-4D97-AF65-F5344CB8AC3E}">
-        <p14:creationId xmlns:p14="http://schemas.microsoft.com/office/powerpoint/2010/main" xmlns="" val="1216048216"/>
+        <p14:creationId xmlns="" xmlns:p14="http://schemas.microsoft.com/office/powerpoint/2010/main" val="1216048216"/>
       </p:ext>
     </p:extLst>
   </p:cSld>
@@ -687,7 +690,7 @@
     </p:spTree>
     <p:extLst>
       <p:ext uri="{BB962C8B-B14F-4D97-AF65-F5344CB8AC3E}">
-        <p14:creationId xmlns:p14="http://schemas.microsoft.com/office/powerpoint/2010/main" xmlns="" val="1645015722"/>
+        <p14:creationId xmlns="" xmlns:p14="http://schemas.microsoft.com/office/powerpoint/2010/main" val="1645015722"/>
       </p:ext>
     </p:extLst>
   </p:cSld>
@@ -807,7 +810,7 @@
     </p:spTree>
     <p:extLst>
       <p:ext uri="{BB962C8B-B14F-4D97-AF65-F5344CB8AC3E}">
-        <p14:creationId xmlns:p14="http://schemas.microsoft.com/office/powerpoint/2010/main" xmlns="" val="4088891792"/>
+        <p14:creationId xmlns="" xmlns:p14="http://schemas.microsoft.com/office/powerpoint/2010/main" val="4088891792"/>
       </p:ext>
     </p:extLst>
   </p:cSld>
@@ -951,7 +954,7 @@
     </p:spTree>
     <p:extLst>
       <p:ext uri="{BB962C8B-B14F-4D97-AF65-F5344CB8AC3E}">
-        <p14:creationId xmlns:p14="http://schemas.microsoft.com/office/powerpoint/2010/main" xmlns="" val="1322130280"/>
+        <p14:creationId xmlns="" xmlns:p14="http://schemas.microsoft.com/office/powerpoint/2010/main" val="1322130280"/>
       </p:ext>
     </p:extLst>
   </p:cSld>
@@ -1036,7 +1039,7 @@
     </p:spTree>
     <p:extLst>
       <p:ext uri="{BB962C8B-B14F-4D97-AF65-F5344CB8AC3E}">
-        <p14:creationId xmlns:p14="http://schemas.microsoft.com/office/powerpoint/2010/main" xmlns="" val="2754438294"/>
+        <p14:creationId xmlns="" xmlns:p14="http://schemas.microsoft.com/office/powerpoint/2010/main" val="2754438294"/>
       </p:ext>
     </p:extLst>
   </p:cSld>
@@ -1178,7 +1181,7 @@
             <a:fld id="{018867A7-436E-4462-89C8-DCFE313C3DBA}" type="datetimeFigureOut">
               <a:rPr kumimoji="1" lang="ja-JP" altLang="en-US" smtClean="0"/>
               <a:pPr/>
-              <a:t>2015/8/23</a:t>
+              <a:t>2015/8/27</a:t>
             </a:fld>
             <a:endParaRPr kumimoji="1" lang="ja-JP" altLang="en-US"/>
           </a:p>
@@ -1230,7 +1233,7 @@
     </p:spTree>
     <p:extLst>
       <p:ext uri="{BB962C8B-B14F-4D97-AF65-F5344CB8AC3E}">
-        <p14:creationId xmlns:p14="http://schemas.microsoft.com/office/powerpoint/2010/main" xmlns="" val="1863472321"/>
+        <p14:creationId xmlns="" xmlns:p14="http://schemas.microsoft.com/office/powerpoint/2010/main" val="1863472321"/>
       </p:ext>
     </p:extLst>
   </p:cSld>
@@ -1382,7 +1385,7 @@
             <a:fld id="{018867A7-436E-4462-89C8-DCFE313C3DBA}" type="datetimeFigureOut">
               <a:rPr kumimoji="1" lang="ja-JP" altLang="en-US" smtClean="0"/>
               <a:pPr/>
-              <a:t>2015/8/23</a:t>
+              <a:t>2015/8/27</a:t>
             </a:fld>
             <a:endParaRPr kumimoji="1" lang="ja-JP" altLang="en-US"/>
           </a:p>
@@ -1434,7 +1437,7 @@
     </p:spTree>
     <p:extLst>
       <p:ext uri="{BB962C8B-B14F-4D97-AF65-F5344CB8AC3E}">
-        <p14:creationId xmlns:p14="http://schemas.microsoft.com/office/powerpoint/2010/main" xmlns="" val="4012234509"/>
+        <p14:creationId xmlns="" xmlns:p14="http://schemas.microsoft.com/office/powerpoint/2010/main" val="4012234509"/>
       </p:ext>
     </p:extLst>
   </p:cSld>
@@ -1596,7 +1599,7 @@
             <a:fld id="{018867A7-436E-4462-89C8-DCFE313C3DBA}" type="datetimeFigureOut">
               <a:rPr kumimoji="1" lang="ja-JP" altLang="en-US" smtClean="0"/>
               <a:pPr/>
-              <a:t>2015/8/23</a:t>
+              <a:t>2015/8/27</a:t>
             </a:fld>
             <a:endParaRPr kumimoji="1" lang="ja-JP" altLang="en-US"/>
           </a:p>
@@ -1648,7 +1651,7 @@
     </p:spTree>
     <p:extLst>
       <p:ext uri="{BB962C8B-B14F-4D97-AF65-F5344CB8AC3E}">
-        <p14:creationId xmlns:p14="http://schemas.microsoft.com/office/powerpoint/2010/main" xmlns="" val="525144367"/>
+        <p14:creationId xmlns="" xmlns:p14="http://schemas.microsoft.com/office/powerpoint/2010/main" val="525144367"/>
       </p:ext>
     </p:extLst>
   </p:cSld>
@@ -1818,7 +1821,7 @@
             <a:fld id="{018867A7-436E-4462-89C8-DCFE313C3DBA}" type="datetimeFigureOut">
               <a:rPr kumimoji="1" lang="ja-JP" altLang="en-US" smtClean="0"/>
               <a:pPr/>
-              <a:t>2015/8/23</a:t>
+              <a:t>2015/8/27</a:t>
             </a:fld>
             <a:endParaRPr kumimoji="1" lang="ja-JP" altLang="en-US"/>
           </a:p>
@@ -1870,7 +1873,7 @@
     </p:spTree>
     <p:extLst>
       <p:ext uri="{BB962C8B-B14F-4D97-AF65-F5344CB8AC3E}">
-        <p14:creationId xmlns:p14="http://schemas.microsoft.com/office/powerpoint/2010/main" xmlns="" val="3101500846"/>
+        <p14:creationId xmlns="" xmlns:p14="http://schemas.microsoft.com/office/powerpoint/2010/main" val="3101500846"/>
       </p:ext>
     </p:extLst>
   </p:cSld>
@@ -2071,7 +2074,7 @@
             <a:fld id="{018867A7-436E-4462-89C8-DCFE313C3DBA}" type="datetimeFigureOut">
               <a:rPr kumimoji="1" lang="ja-JP" altLang="en-US" smtClean="0"/>
               <a:pPr/>
-              <a:t>2015/8/23</a:t>
+              <a:t>2015/8/27</a:t>
             </a:fld>
             <a:endParaRPr kumimoji="1" lang="ja-JP" altLang="en-US"/>
           </a:p>
@@ -2123,7 +2126,7 @@
     </p:spTree>
     <p:extLst>
       <p:ext uri="{BB962C8B-B14F-4D97-AF65-F5344CB8AC3E}">
-        <p14:creationId xmlns:p14="http://schemas.microsoft.com/office/powerpoint/2010/main" xmlns="" val="2607024047"/>
+        <p14:creationId xmlns="" xmlns:p14="http://schemas.microsoft.com/office/powerpoint/2010/main" val="2607024047"/>
       </p:ext>
     </p:extLst>
   </p:cSld>
@@ -2369,7 +2372,7 @@
             <a:fld id="{018867A7-436E-4462-89C8-DCFE313C3DBA}" type="datetimeFigureOut">
               <a:rPr kumimoji="1" lang="ja-JP" altLang="en-US" smtClean="0"/>
               <a:pPr/>
-              <a:t>2015/8/23</a:t>
+              <a:t>2015/8/27</a:t>
             </a:fld>
             <a:endParaRPr kumimoji="1" lang="ja-JP" altLang="en-US"/>
           </a:p>
@@ -2421,7 +2424,7 @@
     </p:spTree>
     <p:extLst>
       <p:ext uri="{BB962C8B-B14F-4D97-AF65-F5344CB8AC3E}">
-        <p14:creationId xmlns:p14="http://schemas.microsoft.com/office/powerpoint/2010/main" xmlns="" val="1010007558"/>
+        <p14:creationId xmlns="" xmlns:p14="http://schemas.microsoft.com/office/powerpoint/2010/main" val="1010007558"/>
       </p:ext>
     </p:extLst>
   </p:cSld>
@@ -2802,7 +2805,7 @@
             <a:fld id="{018867A7-436E-4462-89C8-DCFE313C3DBA}" type="datetimeFigureOut">
               <a:rPr kumimoji="1" lang="ja-JP" altLang="en-US" smtClean="0"/>
               <a:pPr/>
-              <a:t>2015/8/23</a:t>
+              <a:t>2015/8/27</a:t>
             </a:fld>
             <a:endParaRPr kumimoji="1" lang="ja-JP" altLang="en-US"/>
           </a:p>
@@ -2854,7 +2857,7 @@
     </p:spTree>
     <p:extLst>
       <p:ext uri="{BB962C8B-B14F-4D97-AF65-F5344CB8AC3E}">
-        <p14:creationId xmlns:p14="http://schemas.microsoft.com/office/powerpoint/2010/main" xmlns="" val="3250309388"/>
+        <p14:creationId xmlns="" xmlns:p14="http://schemas.microsoft.com/office/powerpoint/2010/main" val="3250309388"/>
       </p:ext>
     </p:extLst>
   </p:cSld>
@@ -2922,7 +2925,7 @@
             <a:fld id="{018867A7-436E-4462-89C8-DCFE313C3DBA}" type="datetimeFigureOut">
               <a:rPr kumimoji="1" lang="ja-JP" altLang="en-US" smtClean="0"/>
               <a:pPr/>
-              <a:t>2015/8/23</a:t>
+              <a:t>2015/8/27</a:t>
             </a:fld>
             <a:endParaRPr kumimoji="1" lang="ja-JP" altLang="en-US"/>
           </a:p>
@@ -2974,7 +2977,7 @@
     </p:spTree>
     <p:extLst>
       <p:ext uri="{BB962C8B-B14F-4D97-AF65-F5344CB8AC3E}">
-        <p14:creationId xmlns:p14="http://schemas.microsoft.com/office/powerpoint/2010/main" xmlns="" val="3038965904"/>
+        <p14:creationId xmlns="" xmlns:p14="http://schemas.microsoft.com/office/powerpoint/2010/main" val="3038965904"/>
       </p:ext>
     </p:extLst>
   </p:cSld>
@@ -3019,7 +3022,7 @@
             <a:fld id="{018867A7-436E-4462-89C8-DCFE313C3DBA}" type="datetimeFigureOut">
               <a:rPr kumimoji="1" lang="ja-JP" altLang="en-US" smtClean="0"/>
               <a:pPr/>
-              <a:t>2015/8/23</a:t>
+              <a:t>2015/8/27</a:t>
             </a:fld>
             <a:endParaRPr kumimoji="1" lang="ja-JP" altLang="en-US"/>
           </a:p>
@@ -3071,7 +3074,7 @@
     </p:spTree>
     <p:extLst>
       <p:ext uri="{BB962C8B-B14F-4D97-AF65-F5344CB8AC3E}">
-        <p14:creationId xmlns:p14="http://schemas.microsoft.com/office/powerpoint/2010/main" xmlns="" val="1685908978"/>
+        <p14:creationId xmlns="" xmlns:p14="http://schemas.microsoft.com/office/powerpoint/2010/main" val="1685908978"/>
       </p:ext>
     </p:extLst>
   </p:cSld>
@@ -3330,7 +3333,7 @@
             <a:fld id="{018867A7-436E-4462-89C8-DCFE313C3DBA}" type="datetimeFigureOut">
               <a:rPr kumimoji="1" lang="ja-JP" altLang="en-US" smtClean="0"/>
               <a:pPr/>
-              <a:t>2015/8/23</a:t>
+              <a:t>2015/8/27</a:t>
             </a:fld>
             <a:endParaRPr kumimoji="1" lang="ja-JP" altLang="en-US"/>
           </a:p>
@@ -3382,7 +3385,7 @@
     </p:spTree>
     <p:extLst>
       <p:ext uri="{BB962C8B-B14F-4D97-AF65-F5344CB8AC3E}">
-        <p14:creationId xmlns:p14="http://schemas.microsoft.com/office/powerpoint/2010/main" xmlns="" val="551049879"/>
+        <p14:creationId xmlns="" xmlns:p14="http://schemas.microsoft.com/office/powerpoint/2010/main" val="551049879"/>
       </p:ext>
     </p:extLst>
   </p:cSld>
@@ -3589,7 +3592,7 @@
             <a:fld id="{018867A7-436E-4462-89C8-DCFE313C3DBA}" type="datetimeFigureOut">
               <a:rPr kumimoji="1" lang="ja-JP" altLang="en-US" smtClean="0"/>
               <a:pPr/>
-              <a:t>2015/8/23</a:t>
+              <a:t>2015/8/27</a:t>
             </a:fld>
             <a:endParaRPr kumimoji="1" lang="ja-JP" altLang="en-US"/>
           </a:p>
@@ -3641,7 +3644,7 @@
     </p:spTree>
     <p:extLst>
       <p:ext uri="{BB962C8B-B14F-4D97-AF65-F5344CB8AC3E}">
-        <p14:creationId xmlns:p14="http://schemas.microsoft.com/office/powerpoint/2010/main" xmlns="" val="2633962770"/>
+        <p14:creationId xmlns="" xmlns:p14="http://schemas.microsoft.com/office/powerpoint/2010/main" val="2633962770"/>
       </p:ext>
     </p:extLst>
   </p:cSld>
@@ -3836,7 +3839,7 @@
             <a:fld id="{018867A7-436E-4462-89C8-DCFE313C3DBA}" type="datetimeFigureOut">
               <a:rPr kumimoji="1" lang="ja-JP" altLang="en-US" smtClean="0"/>
               <a:pPr/>
-              <a:t>2015/8/23</a:t>
+              <a:t>2015/8/27</a:t>
             </a:fld>
             <a:endParaRPr kumimoji="1" lang="ja-JP" altLang="en-US"/>
           </a:p>
@@ -3924,7 +3927,7 @@
     </p:spTree>
     <p:extLst>
       <p:ext uri="{BB962C8B-B14F-4D97-AF65-F5344CB8AC3E}">
-        <p14:creationId xmlns:p14="http://schemas.microsoft.com/office/powerpoint/2010/main" xmlns="" val="158630497"/>
+        <p14:creationId xmlns="" xmlns:p14="http://schemas.microsoft.com/office/powerpoint/2010/main" val="158630497"/>
       </p:ext>
     </p:extLst>
   </p:cSld>
@@ -4254,7 +4257,7 @@
           <a:blip r:embed="rId2" cstate="print">
             <a:extLst>
               <a:ext uri="{28A0092B-C50C-407E-A947-70E740481C1C}">
-                <a14:useLocalDpi xmlns:a14="http://schemas.microsoft.com/office/drawing/2010/main" xmlns="" val="0"/>
+                <a14:useLocalDpi xmlns="" xmlns:a14="http://schemas.microsoft.com/office/drawing/2010/main" val="0"/>
               </a:ext>
             </a:extLst>
           </a:blip>
@@ -4343,7 +4346,1137 @@
     </p:spTree>
     <p:extLst>
       <p:ext uri="{BB962C8B-B14F-4D97-AF65-F5344CB8AC3E}">
-        <p14:creationId xmlns:p14="http://schemas.microsoft.com/office/powerpoint/2010/main" xmlns="" val="1093681869"/>
+        <p14:creationId xmlns="" xmlns:p14="http://schemas.microsoft.com/office/powerpoint/2010/main" val="1093681869"/>
+      </p:ext>
+    </p:extLst>
+  </p:cSld>
+  <p:clrMapOvr>
+    <a:masterClrMapping/>
+  </p:clrMapOvr>
+  <p:timing>
+    <p:tnLst>
+      <p:par>
+        <p:cTn id="1" dur="indefinite" restart="never" nodeType="tmRoot"/>
+      </p:par>
+    </p:tnLst>
+  </p:timing>
+</p:sld>
+</file>
+
+<file path=ppt/slides/slide10.xml><?xml version="1.0" encoding="utf-8"?>
+<p:sld xmlns:a="http://schemas.openxmlformats.org/drawingml/2006/main" xmlns:r="http://schemas.openxmlformats.org/officeDocument/2006/relationships" xmlns:p="http://schemas.openxmlformats.org/presentationml/2006/main">
+  <p:cSld>
+    <p:spTree>
+      <p:nvGrpSpPr>
+        <p:cNvPr id="1" name=""/>
+        <p:cNvGrpSpPr/>
+        <p:nvPr/>
+      </p:nvGrpSpPr>
+      <p:grpSpPr>
+        <a:xfrm>
+          <a:off x="0" y="0"/>
+          <a:ext cx="0" cy="0"/>
+          <a:chOff x="0" y="0"/>
+          <a:chExt cx="0" cy="0"/>
+        </a:xfrm>
+      </p:grpSpPr>
+      <p:sp>
+        <p:nvSpPr>
+          <p:cNvPr id="2" name="タイトル 1"/>
+          <p:cNvSpPr>
+            <a:spLocks noGrp="1"/>
+          </p:cNvSpPr>
+          <p:nvPr>
+            <p:ph type="title"/>
+          </p:nvPr>
+        </p:nvSpPr>
+        <p:spPr/>
+        <p:txBody>
+          <a:bodyPr/>
+          <a:lstStyle/>
+          <a:p>
+            <a:endParaRPr kumimoji="1" lang="ja-JP" altLang="en-US"/>
+          </a:p>
+        </p:txBody>
+      </p:sp>
+      <p:sp>
+        <p:nvSpPr>
+          <p:cNvPr id="3" name="コンテンツ プレースホルダ 2"/>
+          <p:cNvSpPr>
+            <a:spLocks noGrp="1"/>
+          </p:cNvSpPr>
+          <p:nvPr>
+            <p:ph idx="1"/>
+          </p:nvPr>
+        </p:nvSpPr>
+        <p:spPr/>
+        <p:txBody>
+          <a:bodyPr/>
+          <a:lstStyle/>
+          <a:p>
+            <a:endParaRPr kumimoji="1" lang="ja-JP" altLang="en-US"/>
+          </a:p>
+        </p:txBody>
+      </p:sp>
+    </p:spTree>
+  </p:cSld>
+  <p:clrMapOvr>
+    <a:masterClrMapping/>
+  </p:clrMapOvr>
+</p:sld>
+</file>
+
+<file path=ppt/slides/slide11.xml><?xml version="1.0" encoding="utf-8"?>
+<p:sld xmlns:a="http://schemas.openxmlformats.org/drawingml/2006/main" xmlns:r="http://schemas.openxmlformats.org/officeDocument/2006/relationships" xmlns:p="http://schemas.openxmlformats.org/presentationml/2006/main">
+  <p:cSld>
+    <p:spTree>
+      <p:nvGrpSpPr>
+        <p:cNvPr id="1" name=""/>
+        <p:cNvGrpSpPr/>
+        <p:nvPr/>
+      </p:nvGrpSpPr>
+      <p:grpSpPr>
+        <a:xfrm>
+          <a:off x="0" y="0"/>
+          <a:ext cx="0" cy="0"/>
+          <a:chOff x="0" y="0"/>
+          <a:chExt cx="0" cy="0"/>
+        </a:xfrm>
+      </p:grpSpPr>
+      <p:sp>
+        <p:nvSpPr>
+          <p:cNvPr id="2" name="タイトル 1"/>
+          <p:cNvSpPr>
+            <a:spLocks noGrp="1"/>
+          </p:cNvSpPr>
+          <p:nvPr>
+            <p:ph type="title"/>
+          </p:nvPr>
+        </p:nvSpPr>
+        <p:spPr>
+          <a:xfrm>
+            <a:off x="628650" y="365126"/>
+            <a:ext cx="7886700" cy="866515"/>
+          </a:xfrm>
+        </p:spPr>
+        <p:txBody>
+          <a:bodyPr>
+            <a:normAutofit fontScale="90000"/>
+          </a:bodyPr>
+          <a:lstStyle/>
+          <a:p>
+            <a:r>
+              <a:rPr kumimoji="1" lang="ja-JP" altLang="en-US" smtClean="0"/>
+              <a:t>おまけ</a:t>
+            </a:r>
+            <a:r>
+              <a:rPr kumimoji="1" lang="en-US" altLang="ja-JP" smtClean="0"/>
+              <a:t>: nmap</a:t>
+            </a:r>
+            <a:r>
+              <a:rPr kumimoji="1" lang="ja-JP" altLang="en-US" smtClean="0"/>
+              <a:t>のオプション指定</a:t>
+            </a:r>
+            <a:endParaRPr kumimoji="1" lang="ja-JP" altLang="en-US"/>
+          </a:p>
+        </p:txBody>
+      </p:sp>
+      <p:sp>
+        <p:nvSpPr>
+          <p:cNvPr id="3" name="コンテンツ プレースホルダー 2"/>
+          <p:cNvSpPr>
+            <a:spLocks noGrp="1"/>
+          </p:cNvSpPr>
+          <p:nvPr>
+            <p:ph idx="1"/>
+          </p:nvPr>
+        </p:nvSpPr>
+        <p:spPr>
+          <a:xfrm>
+            <a:off x="628649" y="1573377"/>
+            <a:ext cx="8105447" cy="4351338"/>
+          </a:xfrm>
+        </p:spPr>
+        <p:txBody>
+          <a:bodyPr/>
+          <a:lstStyle/>
+          <a:p>
+            <a:pPr>
+              <a:lnSpc>
+                <a:spcPct val="100000"/>
+              </a:lnSpc>
+            </a:pPr>
+            <a:r>
+              <a:rPr kumimoji="1" lang="ja-JP" altLang="en-US" smtClean="0"/>
+              <a:t>一般的な</a:t>
+            </a:r>
+            <a:r>
+              <a:rPr lang="en-US" altLang="ja-JP" smtClean="0"/>
+              <a:t>UNIX/Linux</a:t>
+            </a:r>
+            <a:r>
+              <a:rPr lang="ja-JP" altLang="en-US" smtClean="0"/>
+              <a:t>のコマンドとチョット異なる。</a:t>
+            </a:r>
+            <a:endParaRPr kumimoji="1" lang="en-US" altLang="ja-JP" smtClean="0"/>
+          </a:p>
+          <a:p>
+            <a:pPr lvl="1">
+              <a:lnSpc>
+                <a:spcPct val="100000"/>
+              </a:lnSpc>
+            </a:pPr>
+            <a:r>
+              <a:rPr lang="en-US" altLang="ja-JP" smtClean="0"/>
+              <a:t>1</a:t>
+            </a:r>
+            <a:r>
+              <a:rPr lang="ja-JP" altLang="en-US" smtClean="0"/>
+              <a:t>文字オプション</a:t>
+            </a:r>
+            <a:r>
+              <a:rPr lang="en-US" altLang="ja-JP" smtClean="0"/>
+              <a:t>or</a:t>
+            </a:r>
+            <a:r>
+              <a:rPr lang="ja-JP" altLang="en-US" smtClean="0"/>
+              <a:t>ロングオプションは、普通の</a:t>
+            </a:r>
+            <a:r>
+              <a:rPr lang="en-US" altLang="ja-JP" smtClean="0"/>
+              <a:t>UNIX/Linux</a:t>
+            </a:r>
+            <a:r>
+              <a:rPr lang="ja-JP" altLang="en-US" smtClean="0"/>
+              <a:t>コマンドぽく。</a:t>
+            </a:r>
+            <a:endParaRPr lang="en-US" altLang="ja-JP" smtClean="0"/>
+          </a:p>
+          <a:p>
+            <a:pPr lvl="1">
+              <a:lnSpc>
+                <a:spcPct val="100000"/>
+              </a:lnSpc>
+            </a:pPr>
+            <a:r>
+              <a:rPr lang="en-US" altLang="ja-JP" b="1" smtClean="0">
+                <a:solidFill>
+                  <a:srgbClr val="FF0000"/>
+                </a:solidFill>
+              </a:rPr>
+              <a:t>2</a:t>
+            </a:r>
+            <a:r>
+              <a:rPr lang="ja-JP" altLang="en-US" b="1">
+                <a:solidFill>
+                  <a:srgbClr val="FF0000"/>
+                </a:solidFill>
+              </a:rPr>
+              <a:t>文字</a:t>
+            </a:r>
+            <a:r>
+              <a:rPr lang="ja-JP" altLang="en-US" b="1" smtClean="0">
+                <a:solidFill>
+                  <a:srgbClr val="FF0000"/>
+                </a:solidFill>
+              </a:rPr>
+              <a:t>のオプション</a:t>
+            </a:r>
+            <a:r>
+              <a:rPr lang="ja-JP" altLang="en-US" smtClean="0"/>
+              <a:t>は、「</a:t>
+            </a:r>
+            <a:r>
+              <a:rPr lang="en-US" altLang="ja-JP" smtClean="0"/>
+              <a:t>1</a:t>
+            </a:r>
+            <a:r>
+              <a:rPr lang="ja-JP" altLang="en-US" smtClean="0"/>
+              <a:t>文字目が機能種別、</a:t>
+            </a:r>
+            <a:r>
+              <a:rPr lang="en-US" altLang="ja-JP" smtClean="0"/>
+              <a:t>2</a:t>
+            </a:r>
+            <a:r>
+              <a:rPr lang="ja-JP" altLang="en-US" smtClean="0"/>
+              <a:t>文字目がその指定値」</a:t>
+            </a:r>
+            <a:endParaRPr lang="en-US" altLang="ja-JP" smtClean="0"/>
+          </a:p>
+        </p:txBody>
+      </p:sp>
+    </p:spTree>
+    <p:extLst>
+      <p:ext uri="{BB962C8B-B14F-4D97-AF65-F5344CB8AC3E}">
+        <p14:creationId xmlns:p14="http://schemas.microsoft.com/office/powerpoint/2010/main" xmlns="" val="592033528"/>
+      </p:ext>
+    </p:extLst>
+  </p:cSld>
+  <p:clrMapOvr>
+    <a:masterClrMapping/>
+  </p:clrMapOvr>
+  <p:timing>
+    <p:tnLst>
+      <p:par>
+        <p:cTn id="1" dur="indefinite" restart="never" nodeType="tmRoot"/>
+      </p:par>
+    </p:tnLst>
+  </p:timing>
+</p:sld>
+</file>
+
+<file path=ppt/slides/slide12.xml><?xml version="1.0" encoding="utf-8"?>
+<p:sld xmlns:a="http://schemas.openxmlformats.org/drawingml/2006/main" xmlns:r="http://schemas.openxmlformats.org/officeDocument/2006/relationships" xmlns:p="http://schemas.openxmlformats.org/presentationml/2006/main">
+  <p:cSld>
+    <p:spTree>
+      <p:nvGrpSpPr>
+        <p:cNvPr id="1" name=""/>
+        <p:cNvGrpSpPr/>
+        <p:nvPr/>
+      </p:nvGrpSpPr>
+      <p:grpSpPr>
+        <a:xfrm>
+          <a:off x="0" y="0"/>
+          <a:ext cx="0" cy="0"/>
+          <a:chOff x="0" y="0"/>
+          <a:chExt cx="0" cy="0"/>
+        </a:xfrm>
+      </p:grpSpPr>
+      <p:sp>
+        <p:nvSpPr>
+          <p:cNvPr id="4" name="正方形/長方形 3"/>
+          <p:cNvSpPr/>
+          <p:nvPr/>
+        </p:nvSpPr>
+        <p:spPr>
+          <a:xfrm>
+            <a:off x="157288" y="520782"/>
+            <a:ext cx="8744607" cy="798285"/>
+          </a:xfrm>
+          <a:prstGeom prst="rect">
+            <a:avLst/>
+          </a:prstGeom>
+          <a:solidFill>
+            <a:schemeClr val="tx1"/>
+          </a:solidFill>
+          <a:ln>
+            <a:solidFill>
+              <a:schemeClr val="accent4">
+                <a:lumMod val="20000"/>
+                <a:lumOff val="80000"/>
+              </a:schemeClr>
+            </a:solidFill>
+          </a:ln>
+        </p:spPr>
+        <p:style>
+          <a:lnRef idx="1">
+            <a:schemeClr val="accent1"/>
+          </a:lnRef>
+          <a:fillRef idx="3">
+            <a:schemeClr val="accent1"/>
+          </a:fillRef>
+          <a:effectRef idx="2">
+            <a:schemeClr val="accent1"/>
+          </a:effectRef>
+          <a:fontRef idx="minor">
+            <a:schemeClr val="lt1"/>
+          </a:fontRef>
+        </p:style>
+        <p:txBody>
+          <a:bodyPr rtlCol="0" anchor="ctr"/>
+          <a:lstStyle/>
+          <a:p>
+            <a:r>
+              <a:rPr lang="en-US" altLang="ja-JP" sz="3200">
+                <a:latin typeface="Consolas"/>
+                <a:cs typeface="Consolas"/>
+              </a:rPr>
+              <a:t># </a:t>
+            </a:r>
+            <a:r>
+              <a:rPr lang="en-US" altLang="ja-JP" sz="3200" smtClean="0">
+                <a:latin typeface="Consolas"/>
+                <a:cs typeface="Consolas"/>
+              </a:rPr>
+              <a:t>nmap -sS -n --top-ports 10 10.1.1.1</a:t>
+            </a:r>
+            <a:endParaRPr lang="en-US" altLang="ja-JP" sz="3200">
+              <a:latin typeface="Consolas"/>
+              <a:cs typeface="Consolas"/>
+            </a:endParaRPr>
+          </a:p>
+        </p:txBody>
+      </p:sp>
+      <p:sp>
+        <p:nvSpPr>
+          <p:cNvPr id="5" name="正方形/長方形 4"/>
+          <p:cNvSpPr/>
+          <p:nvPr/>
+        </p:nvSpPr>
+        <p:spPr>
+          <a:xfrm>
+            <a:off x="344061" y="2105765"/>
+            <a:ext cx="1311315" cy="858152"/>
+          </a:xfrm>
+          <a:prstGeom prst="rect">
+            <a:avLst/>
+          </a:prstGeom>
+          <a:solidFill>
+            <a:schemeClr val="accent2">
+              <a:lumMod val="50000"/>
+            </a:schemeClr>
+          </a:solidFill>
+          <a:ln w="28575" cmpd="sng">
+            <a:solidFill>
+              <a:schemeClr val="accent4">
+                <a:lumMod val="20000"/>
+                <a:lumOff val="80000"/>
+              </a:schemeClr>
+            </a:solidFill>
+          </a:ln>
+          <a:effectLst>
+            <a:glow rad="101600">
+              <a:schemeClr val="tx1">
+                <a:alpha val="22000"/>
+              </a:schemeClr>
+            </a:glow>
+            <a:outerShdw blurRad="50800" dist="38100" dir="2700000" algn="tl" rotWithShape="0">
+              <a:srgbClr val="000000">
+                <a:alpha val="43000"/>
+              </a:srgbClr>
+            </a:outerShdw>
+          </a:effectLst>
+        </p:spPr>
+        <p:style>
+          <a:lnRef idx="1">
+            <a:schemeClr val="accent1"/>
+          </a:lnRef>
+          <a:fillRef idx="3">
+            <a:schemeClr val="accent1"/>
+          </a:fillRef>
+          <a:effectRef idx="2">
+            <a:schemeClr val="accent1"/>
+          </a:effectRef>
+          <a:fontRef idx="minor">
+            <a:schemeClr val="lt1"/>
+          </a:fontRef>
+        </p:style>
+        <p:txBody>
+          <a:bodyPr rtlCol="0" anchor="ctr"/>
+          <a:lstStyle/>
+          <a:p>
+            <a:r>
+              <a:rPr lang="en-US" altLang="ja-JP" sz="4000" b="1" smtClean="0">
+                <a:solidFill>
+                  <a:schemeClr val="accent2">
+                    <a:lumMod val="20000"/>
+                    <a:lumOff val="80000"/>
+                  </a:schemeClr>
+                </a:solidFill>
+                <a:latin typeface="Consolas" panose="020B0609020204030204" pitchFamily="49" charset="0"/>
+                <a:cs typeface="Consolas" panose="020B0609020204030204" pitchFamily="49" charset="0"/>
+              </a:rPr>
+              <a:t>-sS</a:t>
+            </a:r>
+            <a:endParaRPr kumimoji="1" lang="ja-JP" altLang="en-US" sz="4000" b="1">
+              <a:solidFill>
+                <a:schemeClr val="accent2">
+                  <a:lumMod val="20000"/>
+                  <a:lumOff val="80000"/>
+                </a:schemeClr>
+              </a:solidFill>
+              <a:latin typeface="Consolas" panose="020B0609020204030204" pitchFamily="49" charset="0"/>
+              <a:cs typeface="Consolas" panose="020B0609020204030204" pitchFamily="49" charset="0"/>
+            </a:endParaRPr>
+          </a:p>
+        </p:txBody>
+      </p:sp>
+      <p:sp>
+        <p:nvSpPr>
+          <p:cNvPr id="6" name="テキスト ボックス 5"/>
+          <p:cNvSpPr txBox="1"/>
+          <p:nvPr/>
+        </p:nvSpPr>
+        <p:spPr>
+          <a:xfrm>
+            <a:off x="2207173" y="1548717"/>
+            <a:ext cx="6758151" cy="2246769"/>
+          </a:xfrm>
+          <a:prstGeom prst="rect">
+            <a:avLst/>
+          </a:prstGeom>
+          <a:noFill/>
+        </p:spPr>
+        <p:txBody>
+          <a:bodyPr wrap="square" rtlCol="0">
+            <a:spAutoFit/>
+          </a:bodyPr>
+          <a:lstStyle/>
+          <a:p>
+            <a:r>
+              <a:rPr lang="en-US" altLang="ja-JP" sz="2800" smtClean="0"/>
+              <a:t>2</a:t>
+            </a:r>
+            <a:r>
+              <a:rPr lang="ja-JP" altLang="en-US" sz="2800" smtClean="0"/>
+              <a:t>文字のオプションなので、</a:t>
+            </a:r>
+            <a:endParaRPr lang="en-US" altLang="ja-JP" sz="2800" smtClean="0"/>
+          </a:p>
+          <a:p>
+            <a:pPr marL="285750" indent="-285750">
+              <a:buFont typeface="Arial" panose="020B0604020202020204" pitchFamily="34" charset="0"/>
+              <a:buChar char="•"/>
+            </a:pPr>
+            <a:r>
+              <a:rPr kumimoji="1" lang="en-US" altLang="ja-JP" sz="2800" smtClean="0"/>
+              <a:t>1</a:t>
+            </a:r>
+            <a:r>
+              <a:rPr kumimoji="1" lang="ja-JP" altLang="en-US" sz="2800" smtClean="0"/>
+              <a:t>文字目の「</a:t>
+            </a:r>
+            <a:r>
+              <a:rPr kumimoji="1" lang="en-US" altLang="ja-JP" sz="2800" smtClean="0"/>
+              <a:t>s</a:t>
+            </a:r>
+            <a:r>
+              <a:rPr kumimoji="1" lang="ja-JP" altLang="en-US" sz="2800" smtClean="0"/>
+              <a:t>」は「スキャンモードを指定する」ことを意味する</a:t>
+            </a:r>
+            <a:endParaRPr kumimoji="1" lang="en-US" altLang="ja-JP" sz="2800" smtClean="0"/>
+          </a:p>
+          <a:p>
+            <a:pPr marL="285750" indent="-285750">
+              <a:buFont typeface="Arial" panose="020B0604020202020204" pitchFamily="34" charset="0"/>
+              <a:buChar char="•"/>
+            </a:pPr>
+            <a:r>
+              <a:rPr lang="en-US" altLang="ja-JP" sz="2800" smtClean="0"/>
+              <a:t>2</a:t>
+            </a:r>
+            <a:r>
+              <a:rPr lang="ja-JP" altLang="en-US" sz="2800"/>
+              <a:t>文字目</a:t>
+            </a:r>
+            <a:r>
+              <a:rPr lang="ja-JP" altLang="en-US" sz="2800" smtClean="0"/>
+              <a:t>の「</a:t>
+            </a:r>
+            <a:r>
+              <a:rPr lang="en-US" altLang="ja-JP" sz="2800" smtClean="0"/>
+              <a:t>S</a:t>
+            </a:r>
+            <a:r>
+              <a:rPr lang="ja-JP" altLang="en-US" sz="2800" smtClean="0"/>
+              <a:t>」は、「スキャンモードに</a:t>
+            </a:r>
+            <a:r>
+              <a:rPr lang="en-US" altLang="ja-JP" sz="2800" smtClean="0"/>
+              <a:t>SYN</a:t>
+            </a:r>
+            <a:r>
+              <a:rPr lang="ja-JP" altLang="en-US" sz="2800" smtClean="0"/>
+              <a:t>スキャン」を指定している</a:t>
+            </a:r>
+            <a:endParaRPr kumimoji="1" lang="ja-JP" altLang="en-US" sz="2800"/>
+          </a:p>
+        </p:txBody>
+      </p:sp>
+      <p:sp>
+        <p:nvSpPr>
+          <p:cNvPr id="7" name="正方形/長方形 6"/>
+          <p:cNvSpPr/>
+          <p:nvPr/>
+        </p:nvSpPr>
+        <p:spPr>
+          <a:xfrm>
+            <a:off x="344062" y="4218408"/>
+            <a:ext cx="1311315" cy="858152"/>
+          </a:xfrm>
+          <a:prstGeom prst="rect">
+            <a:avLst/>
+          </a:prstGeom>
+          <a:solidFill>
+            <a:schemeClr val="accent1">
+              <a:lumMod val="50000"/>
+            </a:schemeClr>
+          </a:solidFill>
+          <a:ln w="28575" cmpd="sng">
+            <a:solidFill>
+              <a:schemeClr val="accent4">
+                <a:lumMod val="20000"/>
+                <a:lumOff val="80000"/>
+              </a:schemeClr>
+            </a:solidFill>
+          </a:ln>
+          <a:effectLst>
+            <a:glow rad="101600">
+              <a:schemeClr val="tx1">
+                <a:alpha val="22000"/>
+              </a:schemeClr>
+            </a:glow>
+            <a:outerShdw blurRad="50800" dist="38100" dir="2700000" algn="tl" rotWithShape="0">
+              <a:srgbClr val="000000">
+                <a:alpha val="43000"/>
+              </a:srgbClr>
+            </a:outerShdw>
+          </a:effectLst>
+        </p:spPr>
+        <p:style>
+          <a:lnRef idx="1">
+            <a:schemeClr val="accent1"/>
+          </a:lnRef>
+          <a:fillRef idx="3">
+            <a:schemeClr val="accent1"/>
+          </a:fillRef>
+          <a:effectRef idx="2">
+            <a:schemeClr val="accent1"/>
+          </a:effectRef>
+          <a:fontRef idx="minor">
+            <a:schemeClr val="lt1"/>
+          </a:fontRef>
+        </p:style>
+        <p:txBody>
+          <a:bodyPr rtlCol="0" anchor="ctr"/>
+          <a:lstStyle/>
+          <a:p>
+            <a:r>
+              <a:rPr lang="en-US" altLang="ja-JP" sz="4000" b="1" smtClean="0">
+                <a:solidFill>
+                  <a:schemeClr val="accent2">
+                    <a:lumMod val="20000"/>
+                    <a:lumOff val="80000"/>
+                  </a:schemeClr>
+                </a:solidFill>
+                <a:latin typeface="Consolas" panose="020B0609020204030204" pitchFamily="49" charset="0"/>
+                <a:cs typeface="Consolas" panose="020B0609020204030204" pitchFamily="49" charset="0"/>
+              </a:rPr>
+              <a:t>-sT</a:t>
+            </a:r>
+            <a:endParaRPr kumimoji="1" lang="ja-JP" altLang="en-US" sz="4000" b="1">
+              <a:solidFill>
+                <a:schemeClr val="accent2">
+                  <a:lumMod val="20000"/>
+                  <a:lumOff val="80000"/>
+                </a:schemeClr>
+              </a:solidFill>
+              <a:latin typeface="Consolas" panose="020B0609020204030204" pitchFamily="49" charset="0"/>
+              <a:cs typeface="Consolas" panose="020B0609020204030204" pitchFamily="49" charset="0"/>
+            </a:endParaRPr>
+          </a:p>
+        </p:txBody>
+      </p:sp>
+      <p:sp>
+        <p:nvSpPr>
+          <p:cNvPr id="8" name="テキスト ボックス 7"/>
+          <p:cNvSpPr txBox="1"/>
+          <p:nvPr/>
+        </p:nvSpPr>
+        <p:spPr>
+          <a:xfrm>
+            <a:off x="1832100" y="4181063"/>
+            <a:ext cx="6758151" cy="954107"/>
+          </a:xfrm>
+          <a:prstGeom prst="rect">
+            <a:avLst/>
+          </a:prstGeom>
+          <a:noFill/>
+        </p:spPr>
+        <p:txBody>
+          <a:bodyPr wrap="square" rtlCol="0">
+            <a:spAutoFit/>
+          </a:bodyPr>
+          <a:lstStyle/>
+          <a:p>
+            <a:r>
+              <a:rPr lang="ja-JP" altLang="en-US" sz="2800" smtClean="0"/>
+              <a:t>スキャン</a:t>
+            </a:r>
+            <a:r>
+              <a:rPr lang="ja-JP" altLang="en-US" sz="2800"/>
+              <a:t>モード</a:t>
+            </a:r>
+            <a:r>
+              <a:rPr lang="ja-JP" altLang="en-US" sz="2800" smtClean="0"/>
+              <a:t>に</a:t>
+            </a:r>
+            <a:r>
+              <a:rPr lang="en-US" altLang="ja-JP" sz="2800" smtClean="0"/>
+              <a:t>TCP connect()</a:t>
+            </a:r>
+            <a:r>
+              <a:rPr lang="ja-JP" altLang="en-US" sz="2800" smtClean="0"/>
+              <a:t>スキャンを指定</a:t>
+            </a:r>
+            <a:endParaRPr lang="en-US" altLang="ja-JP" sz="2800" smtClean="0"/>
+          </a:p>
+        </p:txBody>
+      </p:sp>
+      <p:sp>
+        <p:nvSpPr>
+          <p:cNvPr id="9" name="左中かっこ 8"/>
+          <p:cNvSpPr/>
+          <p:nvPr/>
+        </p:nvSpPr>
+        <p:spPr>
+          <a:xfrm>
+            <a:off x="1797269" y="1439917"/>
+            <a:ext cx="409904" cy="2355569"/>
+          </a:xfrm>
+          <a:prstGeom prst="leftBrace">
+            <a:avLst/>
+          </a:prstGeom>
+          <a:ln w="28575"/>
+        </p:spPr>
+        <p:style>
+          <a:lnRef idx="1">
+            <a:schemeClr val="accent1"/>
+          </a:lnRef>
+          <a:fillRef idx="0">
+            <a:schemeClr val="accent1"/>
+          </a:fillRef>
+          <a:effectRef idx="0">
+            <a:schemeClr val="accent1"/>
+          </a:effectRef>
+          <a:fontRef idx="minor">
+            <a:schemeClr val="tx1"/>
+          </a:fontRef>
+        </p:style>
+        <p:txBody>
+          <a:bodyPr rtlCol="0" anchor="ctr"/>
+          <a:lstStyle/>
+          <a:p>
+            <a:pPr algn="ctr"/>
+            <a:endParaRPr kumimoji="1" lang="ja-JP" altLang="en-US"/>
+          </a:p>
+        </p:txBody>
+      </p:sp>
+      <p:sp>
+        <p:nvSpPr>
+          <p:cNvPr id="10" name="正方形/長方形 9"/>
+          <p:cNvSpPr/>
+          <p:nvPr/>
+        </p:nvSpPr>
+        <p:spPr>
+          <a:xfrm>
+            <a:off x="344061" y="5198378"/>
+            <a:ext cx="1311315" cy="858152"/>
+          </a:xfrm>
+          <a:prstGeom prst="rect">
+            <a:avLst/>
+          </a:prstGeom>
+          <a:solidFill>
+            <a:schemeClr val="accent1">
+              <a:lumMod val="50000"/>
+            </a:schemeClr>
+          </a:solidFill>
+          <a:ln w="28575" cmpd="sng">
+            <a:solidFill>
+              <a:schemeClr val="accent4">
+                <a:lumMod val="20000"/>
+                <a:lumOff val="80000"/>
+              </a:schemeClr>
+            </a:solidFill>
+          </a:ln>
+          <a:effectLst>
+            <a:glow rad="101600">
+              <a:schemeClr val="tx1">
+                <a:alpha val="22000"/>
+              </a:schemeClr>
+            </a:glow>
+            <a:outerShdw blurRad="50800" dist="38100" dir="2700000" algn="tl" rotWithShape="0">
+              <a:srgbClr val="000000">
+                <a:alpha val="43000"/>
+              </a:srgbClr>
+            </a:outerShdw>
+          </a:effectLst>
+        </p:spPr>
+        <p:style>
+          <a:lnRef idx="1">
+            <a:schemeClr val="accent1"/>
+          </a:lnRef>
+          <a:fillRef idx="3">
+            <a:schemeClr val="accent1"/>
+          </a:fillRef>
+          <a:effectRef idx="2">
+            <a:schemeClr val="accent1"/>
+          </a:effectRef>
+          <a:fontRef idx="minor">
+            <a:schemeClr val="lt1"/>
+          </a:fontRef>
+        </p:style>
+        <p:txBody>
+          <a:bodyPr rtlCol="0" anchor="ctr"/>
+          <a:lstStyle/>
+          <a:p>
+            <a:r>
+              <a:rPr lang="en-US" altLang="ja-JP" sz="4000" b="1" smtClean="0">
+                <a:solidFill>
+                  <a:schemeClr val="accent2">
+                    <a:lumMod val="20000"/>
+                    <a:lumOff val="80000"/>
+                  </a:schemeClr>
+                </a:solidFill>
+                <a:latin typeface="Consolas" panose="020B0609020204030204" pitchFamily="49" charset="0"/>
+                <a:cs typeface="Consolas" panose="020B0609020204030204" pitchFamily="49" charset="0"/>
+              </a:rPr>
+              <a:t>-sX</a:t>
+            </a:r>
+            <a:endParaRPr kumimoji="1" lang="ja-JP" altLang="en-US" sz="4000" b="1">
+              <a:solidFill>
+                <a:schemeClr val="accent2">
+                  <a:lumMod val="20000"/>
+                  <a:lumOff val="80000"/>
+                </a:schemeClr>
+              </a:solidFill>
+              <a:latin typeface="Consolas" panose="020B0609020204030204" pitchFamily="49" charset="0"/>
+              <a:cs typeface="Consolas" panose="020B0609020204030204" pitchFamily="49" charset="0"/>
+            </a:endParaRPr>
+          </a:p>
+        </p:txBody>
+      </p:sp>
+      <p:sp>
+        <p:nvSpPr>
+          <p:cNvPr id="11" name="テキスト ボックス 10"/>
+          <p:cNvSpPr txBox="1"/>
+          <p:nvPr/>
+        </p:nvSpPr>
+        <p:spPr>
+          <a:xfrm>
+            <a:off x="1821466" y="5325970"/>
+            <a:ext cx="6758151" cy="523220"/>
+          </a:xfrm>
+          <a:prstGeom prst="rect">
+            <a:avLst/>
+          </a:prstGeom>
+          <a:noFill/>
+        </p:spPr>
+        <p:txBody>
+          <a:bodyPr wrap="square" rtlCol="0">
+            <a:spAutoFit/>
+          </a:bodyPr>
+          <a:lstStyle/>
+          <a:p>
+            <a:r>
+              <a:rPr lang="ja-JP" altLang="en-US" sz="2800" smtClean="0"/>
+              <a:t>スキャンモードに</a:t>
+            </a:r>
+            <a:r>
+              <a:rPr lang="en-US" altLang="ja-JP" sz="2800" smtClean="0"/>
+              <a:t>Xmas</a:t>
+            </a:r>
+            <a:r>
+              <a:rPr lang="ja-JP" altLang="en-US" sz="2800" smtClean="0"/>
+              <a:t>スキャンを指定</a:t>
+            </a:r>
+            <a:endParaRPr lang="en-US" altLang="ja-JP" sz="2800" smtClean="0"/>
+          </a:p>
+        </p:txBody>
+      </p:sp>
+      <p:sp>
+        <p:nvSpPr>
+          <p:cNvPr id="13" name="テキスト ボックス 12"/>
+          <p:cNvSpPr txBox="1"/>
+          <p:nvPr/>
+        </p:nvSpPr>
+        <p:spPr>
+          <a:xfrm>
+            <a:off x="1569831" y="170121"/>
+            <a:ext cx="992618" cy="461665"/>
+          </a:xfrm>
+          <a:prstGeom prst="rect">
+            <a:avLst/>
+          </a:prstGeom>
+          <a:noFill/>
+        </p:spPr>
+        <p:txBody>
+          <a:bodyPr wrap="square" rtlCol="0">
+            <a:spAutoFit/>
+          </a:bodyPr>
+          <a:lstStyle/>
+          <a:p>
+            <a:r>
+              <a:rPr lang="en-US" altLang="ja-JP" sz="2400" b="1" smtClean="0">
+                <a:solidFill>
+                  <a:srgbClr val="FF0000"/>
+                </a:solidFill>
+              </a:rPr>
+              <a:t>2</a:t>
+            </a:r>
+            <a:r>
+              <a:rPr lang="ja-JP" altLang="en-US" sz="2400" b="1" smtClean="0">
+                <a:solidFill>
+                  <a:srgbClr val="FF0000"/>
+                </a:solidFill>
+              </a:rPr>
+              <a:t>文字</a:t>
+            </a:r>
+            <a:endParaRPr lang="en-US" altLang="ja-JP" sz="2400" b="1" smtClean="0">
+              <a:solidFill>
+                <a:srgbClr val="FF0000"/>
+              </a:solidFill>
+            </a:endParaRPr>
+          </a:p>
+        </p:txBody>
+      </p:sp>
+      <p:sp>
+        <p:nvSpPr>
+          <p:cNvPr id="14" name="テキスト ボックス 13"/>
+          <p:cNvSpPr txBox="1"/>
+          <p:nvPr/>
+        </p:nvSpPr>
+        <p:spPr>
+          <a:xfrm>
+            <a:off x="2540936" y="152399"/>
+            <a:ext cx="992618" cy="461665"/>
+          </a:xfrm>
+          <a:prstGeom prst="rect">
+            <a:avLst/>
+          </a:prstGeom>
+          <a:noFill/>
+        </p:spPr>
+        <p:txBody>
+          <a:bodyPr wrap="square" rtlCol="0">
+            <a:spAutoFit/>
+          </a:bodyPr>
+          <a:lstStyle/>
+          <a:p>
+            <a:r>
+              <a:rPr lang="en-US" altLang="ja-JP" sz="2400" b="1" smtClean="0">
+                <a:solidFill>
+                  <a:srgbClr val="FF0000"/>
+                </a:solidFill>
+              </a:rPr>
+              <a:t>1</a:t>
+            </a:r>
+            <a:r>
+              <a:rPr lang="ja-JP" altLang="en-US" sz="2400" b="1" smtClean="0">
+                <a:solidFill>
+                  <a:srgbClr val="FF0000"/>
+                </a:solidFill>
+              </a:rPr>
+              <a:t>文字</a:t>
+            </a:r>
+            <a:endParaRPr lang="en-US" altLang="ja-JP" sz="2400" b="1" smtClean="0">
+              <a:solidFill>
+                <a:srgbClr val="FF0000"/>
+              </a:solidFill>
+            </a:endParaRPr>
+          </a:p>
+        </p:txBody>
+      </p:sp>
+      <p:sp>
+        <p:nvSpPr>
+          <p:cNvPr id="15" name="テキスト ボックス 14"/>
+          <p:cNvSpPr txBox="1"/>
+          <p:nvPr/>
+        </p:nvSpPr>
+        <p:spPr>
+          <a:xfrm>
+            <a:off x="3767224" y="145311"/>
+            <a:ext cx="2771799" cy="461665"/>
+          </a:xfrm>
+          <a:prstGeom prst="rect">
+            <a:avLst/>
+          </a:prstGeom>
+          <a:noFill/>
+        </p:spPr>
+        <p:txBody>
+          <a:bodyPr wrap="square" rtlCol="0">
+            <a:spAutoFit/>
+          </a:bodyPr>
+          <a:lstStyle/>
+          <a:p>
+            <a:r>
+              <a:rPr lang="ja-JP" altLang="en-US" sz="2400" b="1" smtClean="0">
+                <a:solidFill>
+                  <a:srgbClr val="FF0000"/>
+                </a:solidFill>
+              </a:rPr>
+              <a:t>ロングオプション</a:t>
+            </a:r>
+            <a:endParaRPr lang="en-US" altLang="ja-JP" sz="2400" b="1" smtClean="0">
+              <a:solidFill>
+                <a:srgbClr val="FF0000"/>
+              </a:solidFill>
+            </a:endParaRPr>
+          </a:p>
+        </p:txBody>
+      </p:sp>
+      <p:sp>
+        <p:nvSpPr>
+          <p:cNvPr id="16" name="左中かっこ 15"/>
+          <p:cNvSpPr/>
+          <p:nvPr/>
+        </p:nvSpPr>
+        <p:spPr>
+          <a:xfrm rot="5400000">
+            <a:off x="2072005" y="260985"/>
+            <a:ext cx="227330" cy="690880"/>
+          </a:xfrm>
+          <a:prstGeom prst="leftBrace">
+            <a:avLst>
+              <a:gd name="adj1" fmla="val 0"/>
+              <a:gd name="adj2" fmla="val 50000"/>
+            </a:avLst>
+          </a:prstGeom>
+          <a:ln w="38100">
+            <a:solidFill>
+              <a:srgbClr val="FF0000"/>
+            </a:solidFill>
+          </a:ln>
+        </p:spPr>
+        <p:style>
+          <a:lnRef idx="1">
+            <a:schemeClr val="accent1"/>
+          </a:lnRef>
+          <a:fillRef idx="0">
+            <a:schemeClr val="accent1"/>
+          </a:fillRef>
+          <a:effectRef idx="0">
+            <a:schemeClr val="accent1"/>
+          </a:effectRef>
+          <a:fontRef idx="minor">
+            <a:schemeClr val="tx1"/>
+          </a:fontRef>
+        </p:style>
+        <p:txBody>
+          <a:bodyPr rtlCol="0" anchor="ctr"/>
+          <a:lstStyle/>
+          <a:p>
+            <a:pPr algn="ctr"/>
+            <a:endParaRPr kumimoji="1" lang="ja-JP" altLang="en-US"/>
+          </a:p>
+        </p:txBody>
+      </p:sp>
+      <p:sp>
+        <p:nvSpPr>
+          <p:cNvPr id="17" name="左中かっこ 16"/>
+          <p:cNvSpPr/>
+          <p:nvPr/>
+        </p:nvSpPr>
+        <p:spPr>
+          <a:xfrm rot="5400000">
+            <a:off x="2862580" y="381000"/>
+            <a:ext cx="227330" cy="458470"/>
+          </a:xfrm>
+          <a:prstGeom prst="leftBrace">
+            <a:avLst>
+              <a:gd name="adj1" fmla="val 0"/>
+              <a:gd name="adj2" fmla="val 50000"/>
+            </a:avLst>
+          </a:prstGeom>
+          <a:ln w="38100">
+            <a:solidFill>
+              <a:srgbClr val="FF0000"/>
+            </a:solidFill>
+          </a:ln>
+        </p:spPr>
+        <p:style>
+          <a:lnRef idx="1">
+            <a:schemeClr val="accent1"/>
+          </a:lnRef>
+          <a:fillRef idx="0">
+            <a:schemeClr val="accent1"/>
+          </a:fillRef>
+          <a:effectRef idx="0">
+            <a:schemeClr val="accent1"/>
+          </a:effectRef>
+          <a:fontRef idx="minor">
+            <a:schemeClr val="tx1"/>
+          </a:fontRef>
+        </p:style>
+        <p:txBody>
+          <a:bodyPr rtlCol="0" anchor="ctr"/>
+          <a:lstStyle/>
+          <a:p>
+            <a:pPr algn="ctr"/>
+            <a:endParaRPr kumimoji="1" lang="ja-JP" altLang="en-US"/>
+          </a:p>
+        </p:txBody>
+      </p:sp>
+      <p:sp>
+        <p:nvSpPr>
+          <p:cNvPr id="18" name="左中かっこ 17"/>
+          <p:cNvSpPr/>
+          <p:nvPr/>
+        </p:nvSpPr>
+        <p:spPr>
+          <a:xfrm rot="5400000">
+            <a:off x="4518025" y="-592455"/>
+            <a:ext cx="227330" cy="2428240"/>
+          </a:xfrm>
+          <a:prstGeom prst="leftBrace">
+            <a:avLst>
+              <a:gd name="adj1" fmla="val 0"/>
+              <a:gd name="adj2" fmla="val 50000"/>
+            </a:avLst>
+          </a:prstGeom>
+          <a:ln w="38100">
+            <a:solidFill>
+              <a:srgbClr val="FF0000"/>
+            </a:solidFill>
+          </a:ln>
+        </p:spPr>
+        <p:style>
+          <a:lnRef idx="1">
+            <a:schemeClr val="accent1"/>
+          </a:lnRef>
+          <a:fillRef idx="0">
+            <a:schemeClr val="accent1"/>
+          </a:fillRef>
+          <a:effectRef idx="0">
+            <a:schemeClr val="accent1"/>
+          </a:effectRef>
+          <a:fontRef idx="minor">
+            <a:schemeClr val="tx1"/>
+          </a:fontRef>
+        </p:style>
+        <p:txBody>
+          <a:bodyPr rtlCol="0" anchor="ctr"/>
+          <a:lstStyle/>
+          <a:p>
+            <a:pPr algn="ctr"/>
+            <a:endParaRPr kumimoji="1" lang="ja-JP" altLang="en-US"/>
+          </a:p>
+        </p:txBody>
+      </p:sp>
+      <p:sp>
+        <p:nvSpPr>
+          <p:cNvPr id="19" name="テキスト ボックス 18"/>
+          <p:cNvSpPr txBox="1"/>
+          <p:nvPr/>
+        </p:nvSpPr>
+        <p:spPr>
+          <a:xfrm>
+            <a:off x="434433" y="3626421"/>
+            <a:ext cx="919805" cy="523220"/>
+          </a:xfrm>
+          <a:prstGeom prst="rect">
+            <a:avLst/>
+          </a:prstGeom>
+          <a:noFill/>
+        </p:spPr>
+        <p:txBody>
+          <a:bodyPr wrap="square" rtlCol="0">
+            <a:spAutoFit/>
+          </a:bodyPr>
+          <a:lstStyle/>
+          <a:p>
+            <a:r>
+              <a:rPr lang="ja-JP" altLang="en-US" sz="2800" smtClean="0"/>
+              <a:t>例）</a:t>
+            </a:r>
+            <a:endParaRPr lang="en-US" altLang="ja-JP" sz="2800" smtClean="0"/>
+          </a:p>
+        </p:txBody>
+      </p:sp>
+    </p:spTree>
+    <p:extLst>
+      <p:ext uri="{BB962C8B-B14F-4D97-AF65-F5344CB8AC3E}">
+        <p14:creationId xmlns:p14="http://schemas.microsoft.com/office/powerpoint/2010/main" xmlns="" val="1185846493"/>
       </p:ext>
     </p:extLst>
   </p:cSld>
@@ -4474,7 +5607,7 @@
     </p:spTree>
     <p:extLst>
       <p:ext uri="{BB962C8B-B14F-4D97-AF65-F5344CB8AC3E}">
-        <p14:creationId xmlns:p14="http://schemas.microsoft.com/office/powerpoint/2010/main" xmlns="" val="1708929833"/>
+        <p14:creationId xmlns="" xmlns:p14="http://schemas.microsoft.com/office/powerpoint/2010/main" val="1708929833"/>
       </p:ext>
     </p:extLst>
   </p:cSld>
@@ -4628,7 +5761,7 @@
     </p:spTree>
     <p:extLst>
       <p:ext uri="{BB962C8B-B14F-4D97-AF65-F5344CB8AC3E}">
-        <p14:creationId xmlns:p14="http://schemas.microsoft.com/office/powerpoint/2010/main" xmlns="" val="285120714"/>
+        <p14:creationId xmlns="" xmlns:p14="http://schemas.microsoft.com/office/powerpoint/2010/main" val="285120714"/>
       </p:ext>
     </p:extLst>
   </p:cSld>
@@ -4986,7 +6119,7 @@
     </p:spTree>
     <p:extLst>
       <p:ext uri="{BB962C8B-B14F-4D97-AF65-F5344CB8AC3E}">
-        <p14:creationId xmlns:p14="http://schemas.microsoft.com/office/powerpoint/2010/main" xmlns="" val="251935292"/>
+        <p14:creationId xmlns="" xmlns:p14="http://schemas.microsoft.com/office/powerpoint/2010/main" val="251935292"/>
       </p:ext>
     </p:extLst>
   </p:cSld>
@@ -5132,7 +6265,7 @@
     </p:spTree>
     <p:extLst>
       <p:ext uri="{BB962C8B-B14F-4D97-AF65-F5344CB8AC3E}">
-        <p14:creationId xmlns:p14="http://schemas.microsoft.com/office/powerpoint/2010/main" xmlns="" val="629575943"/>
+        <p14:creationId xmlns="" xmlns:p14="http://schemas.microsoft.com/office/powerpoint/2010/main" val="629575943"/>
       </p:ext>
     </p:extLst>
   </p:cSld>
@@ -5480,7 +6613,7 @@
     </p:spTree>
     <p:extLst>
       <p:ext uri="{BB962C8B-B14F-4D97-AF65-F5344CB8AC3E}">
-        <p14:creationId xmlns:p14="http://schemas.microsoft.com/office/powerpoint/2010/main" xmlns="" val="3008246913"/>
+        <p14:creationId xmlns="" xmlns:p14="http://schemas.microsoft.com/office/powerpoint/2010/main" val="3008246913"/>
       </p:ext>
     </p:extLst>
   </p:cSld>
@@ -5723,7 +6856,7 @@
     </p:spTree>
     <p:extLst>
       <p:ext uri="{BB962C8B-B14F-4D97-AF65-F5344CB8AC3E}">
-        <p14:creationId xmlns:p14="http://schemas.microsoft.com/office/powerpoint/2010/main" xmlns="" val="2304079971"/>
+        <p14:creationId xmlns="" xmlns:p14="http://schemas.microsoft.com/office/powerpoint/2010/main" val="2304079971"/>
       </p:ext>
     </p:extLst>
   </p:cSld>
@@ -5892,7 +7025,7 @@
     </p:spTree>
     <p:extLst>
       <p:ext uri="{BB962C8B-B14F-4D97-AF65-F5344CB8AC3E}">
-        <p14:creationId xmlns:p14="http://schemas.microsoft.com/office/powerpoint/2010/main" xmlns="" val="3650125372"/>
+        <p14:creationId xmlns="" xmlns:p14="http://schemas.microsoft.com/office/powerpoint/2010/main" val="3650125372"/>
       </p:ext>
     </p:extLst>
   </p:cSld>
@@ -6104,7 +7237,7 @@
   <a:extraClrSchemeLst/>
   <a:extLst>
     <a:ext uri="{05A4C25C-085E-4340-85A3-A5531E510DB2}">
-      <thm15:themeFamily xmlns:thm15="http://schemas.microsoft.com/office/thememl/2012/main" xmlns="" name="Office Theme" id="{62F939B6-93AF-4DB8-9C6B-D6C7DFDC589F}" vid="{4A3C46E8-61CC-4603-A589-7422A47A8E4A}"/>
+      <thm15:themeFamily xmlns="" xmlns:thm15="http://schemas.microsoft.com/office/thememl/2012/main" name="Office Theme" id="{62F939B6-93AF-4DB8-9C6B-D6C7DFDC589F}" vid="{4A3C46E8-61CC-4603-A589-7422A47A8E4A}"/>
     </a:ext>
   </a:extLst>
 </a:theme>
@@ -6365,7 +7498,7 @@
   <a:extraClrSchemeLst/>
   <a:extLst>
     <a:ext uri="{05A4C25C-085E-4340-85A3-A5531E510DB2}">
-      <thm15:themeFamily xmlns:thm15="http://schemas.microsoft.com/office/thememl/2012/main" xmlns="" name="Office Theme" id="{62F939B6-93AF-4DB8-9C6B-D6C7DFDC589F}" vid="{4A3C46E8-61CC-4603-A589-7422A47A8E4A}"/>
+      <thm15:themeFamily xmlns="" xmlns:thm15="http://schemas.microsoft.com/office/thememl/2012/main" name="Office Theme" id="{62F939B6-93AF-4DB8-9C6B-D6C7DFDC589F}" vid="{4A3C46E8-61CC-4603-A589-7422A47A8E4A}"/>
     </a:ext>
   </a:extLst>
 </a:theme>
